--- a/Repositorio BarrioKing/Area Proceso REQM/PGREQM_1.0_2016.pptx
+++ b/Repositorio BarrioKing/Area Proceso REQM/PGREQM_1.0_2016.pptx
@@ -22875,7 +22875,7 @@
           <p:nvPr>
             <p:extLst>
               <p:ext uri="{D42A27DB-BD31-4B8C-83A1-F6EECF244321}">
-                <p14:modId xmlns:p14="http://schemas.microsoft.com/office/powerpoint/2010/main" val="833553182"/>
+                <p14:modId xmlns:p14="http://schemas.microsoft.com/office/powerpoint/2010/main" val="1638594418"/>
               </p:ext>
             </p:extLst>
           </p:nvPr>
@@ -22954,9 +22954,7 @@
                   </a:txBody>
                   <a:tcPr anchor="ctr">
                     <a:solidFill>
-                      <a:schemeClr val="tx2">
-                        <a:lumMod val="75000"/>
-                      </a:schemeClr>
+                      <a:srgbClr val="002060"/>
                     </a:solidFill>
                   </a:tcPr>
                 </a:tc>
@@ -22979,9 +22977,7 @@
                   </a:txBody>
                   <a:tcPr anchor="ctr">
                     <a:solidFill>
-                      <a:schemeClr val="tx2">
-                        <a:lumMod val="75000"/>
-                      </a:schemeClr>
+                      <a:srgbClr val="002060"/>
                     </a:solidFill>
                   </a:tcPr>
                 </a:tc>
@@ -23004,9 +23000,7 @@
                   </a:txBody>
                   <a:tcPr anchor="ctr">
                     <a:solidFill>
-                      <a:schemeClr val="tx2">
-                        <a:lumMod val="75000"/>
-                      </a:schemeClr>
+                      <a:srgbClr val="002060"/>
                     </a:solidFill>
                   </a:tcPr>
                 </a:tc>
@@ -23029,9 +23023,7 @@
                   </a:txBody>
                   <a:tcPr anchor="ctr">
                     <a:solidFill>
-                      <a:schemeClr val="tx2">
-                        <a:lumMod val="75000"/>
-                      </a:schemeClr>
+                      <a:srgbClr val="002060"/>
                     </a:solidFill>
                   </a:tcPr>
                 </a:tc>
@@ -23054,9 +23046,7 @@
                   </a:txBody>
                   <a:tcPr anchor="ctr">
                     <a:solidFill>
-                      <a:schemeClr val="tx2">
-                        <a:lumMod val="75000"/>
-                      </a:schemeClr>
+                      <a:srgbClr val="002060"/>
                     </a:solidFill>
                   </a:tcPr>
                 </a:tc>
@@ -23085,9 +23075,7 @@
                   </a:txBody>
                   <a:tcPr anchor="ctr">
                     <a:solidFill>
-                      <a:schemeClr val="tx2">
-                        <a:lumMod val="75000"/>
-                      </a:schemeClr>
+                      <a:srgbClr val="002060"/>
                     </a:solidFill>
                   </a:tcPr>
                 </a:tc>
